--- a/2025-10-21 Warsaw Kubernetes Integrated Development/Kubernetes Presentation.pptx
+++ b/2025-10-21 Warsaw Kubernetes Integrated Development/Kubernetes Presentation.pptx
@@ -289,7 +289,7 @@
           <a:p>
             <a:fld id="{62164A38-496E-4635-AD4D-E4F60A7AA5BC}" type="datetimeFigureOut">
               <a:rPr lang="tr-TR" smtClean="0"/>
-              <a:t>24.05.2024</a:t>
+              <a:t>21.10.2025</a:t>
             </a:fld>
             <a:endParaRPr lang="tr-TR"/>
           </a:p>
@@ -487,7 +487,7 @@
           <a:p>
             <a:fld id="{62164A38-496E-4635-AD4D-E4F60A7AA5BC}" type="datetimeFigureOut">
               <a:rPr lang="tr-TR" smtClean="0"/>
-              <a:t>24.05.2024</a:t>
+              <a:t>21.10.2025</a:t>
             </a:fld>
             <a:endParaRPr lang="tr-TR"/>
           </a:p>
@@ -695,7 +695,7 @@
           <a:p>
             <a:fld id="{62164A38-496E-4635-AD4D-E4F60A7AA5BC}" type="datetimeFigureOut">
               <a:rPr lang="tr-TR" smtClean="0"/>
-              <a:t>24.05.2024</a:t>
+              <a:t>21.10.2025</a:t>
             </a:fld>
             <a:endParaRPr lang="tr-TR"/>
           </a:p>
@@ -893,7 +893,7 @@
           <a:p>
             <a:fld id="{62164A38-496E-4635-AD4D-E4F60A7AA5BC}" type="datetimeFigureOut">
               <a:rPr lang="tr-TR" smtClean="0"/>
-              <a:t>24.05.2024</a:t>
+              <a:t>21.10.2025</a:t>
             </a:fld>
             <a:endParaRPr lang="tr-TR"/>
           </a:p>
@@ -1168,7 +1168,7 @@
           <a:p>
             <a:fld id="{62164A38-496E-4635-AD4D-E4F60A7AA5BC}" type="datetimeFigureOut">
               <a:rPr lang="tr-TR" smtClean="0"/>
-              <a:t>24.05.2024</a:t>
+              <a:t>21.10.2025</a:t>
             </a:fld>
             <a:endParaRPr lang="tr-TR"/>
           </a:p>
@@ -1433,7 +1433,7 @@
           <a:p>
             <a:fld id="{62164A38-496E-4635-AD4D-E4F60A7AA5BC}" type="datetimeFigureOut">
               <a:rPr lang="tr-TR" smtClean="0"/>
-              <a:t>24.05.2024</a:t>
+              <a:t>21.10.2025</a:t>
             </a:fld>
             <a:endParaRPr lang="tr-TR"/>
           </a:p>
@@ -1845,7 +1845,7 @@
           <a:p>
             <a:fld id="{62164A38-496E-4635-AD4D-E4F60A7AA5BC}" type="datetimeFigureOut">
               <a:rPr lang="tr-TR" smtClean="0"/>
-              <a:t>24.05.2024</a:t>
+              <a:t>21.10.2025</a:t>
             </a:fld>
             <a:endParaRPr lang="tr-TR"/>
           </a:p>
@@ -1986,7 +1986,7 @@
           <a:p>
             <a:fld id="{62164A38-496E-4635-AD4D-E4F60A7AA5BC}" type="datetimeFigureOut">
               <a:rPr lang="tr-TR" smtClean="0"/>
-              <a:t>24.05.2024</a:t>
+              <a:t>21.10.2025</a:t>
             </a:fld>
             <a:endParaRPr lang="tr-TR"/>
           </a:p>
@@ -2099,7 +2099,7 @@
           <a:p>
             <a:fld id="{62164A38-496E-4635-AD4D-E4F60A7AA5BC}" type="datetimeFigureOut">
               <a:rPr lang="tr-TR" smtClean="0"/>
-              <a:t>24.05.2024</a:t>
+              <a:t>21.10.2025</a:t>
             </a:fld>
             <a:endParaRPr lang="tr-TR"/>
           </a:p>
@@ -2410,7 +2410,7 @@
           <a:p>
             <a:fld id="{62164A38-496E-4635-AD4D-E4F60A7AA5BC}" type="datetimeFigureOut">
               <a:rPr lang="tr-TR" smtClean="0"/>
-              <a:t>24.05.2024</a:t>
+              <a:t>21.10.2025</a:t>
             </a:fld>
             <a:endParaRPr lang="tr-TR"/>
           </a:p>
@@ -2698,7 +2698,7 @@
           <a:p>
             <a:fld id="{62164A38-496E-4635-AD4D-E4F60A7AA5BC}" type="datetimeFigureOut">
               <a:rPr lang="tr-TR" smtClean="0"/>
-              <a:t>24.05.2024</a:t>
+              <a:t>21.10.2025</a:t>
             </a:fld>
             <a:endParaRPr lang="tr-TR"/>
           </a:p>
@@ -2939,7 +2939,7 @@
           <a:p>
             <a:fld id="{62164A38-496E-4635-AD4D-E4F60A7AA5BC}" type="datetimeFigureOut">
               <a:rPr lang="tr-TR" smtClean="0"/>
-              <a:t>24.05.2024</a:t>
+              <a:t>21.10.2025</a:t>
             </a:fld>
             <a:endParaRPr lang="tr-TR"/>
           </a:p>
@@ -3385,7 +3385,7 @@
         <p:spPr>
           <a:xfrm>
             <a:off x="972986" y="1107847"/>
-            <a:ext cx="8894913" cy="2215991"/>
+            <a:ext cx="8894913" cy="2923877"/>
           </a:xfrm>
           <a:prstGeom prst="rect">
             <a:avLst/>
@@ -3409,6 +3409,19 @@
               </a:rPr>
               <a:t>Building a Kubernetes Integrated Local Development Environment</a:t>
             </a:r>
+          </a:p>
+          <a:p>
+            <a:r>
+              <a:rPr lang="en-US" sz="4600" b="1" dirty="0">
+                <a:solidFill>
+                  <a:srgbClr val="1C2313"/>
+                </a:solidFill>
+                <a:latin typeface="Open Sans" pitchFamily="2" charset="0"/>
+                <a:ea typeface="Open Sans" pitchFamily="2" charset="0"/>
+                <a:cs typeface="Open Sans" pitchFamily="2" charset="0"/>
+              </a:rPr>
+              <a:t>for ASP.NET Core</a:t>
+            </a:r>
             <a:endParaRPr lang="tr-TR" sz="4600" b="1" dirty="0">
               <a:solidFill>
                 <a:srgbClr val="1C2313"/>
@@ -3434,7 +3447,7 @@
         </p:nvGrpSpPr>
         <p:grpSpPr>
           <a:xfrm>
-            <a:off x="1106337" y="3820494"/>
+            <a:off x="1116728" y="4807630"/>
             <a:ext cx="5203670" cy="1303340"/>
             <a:chOff x="1110572" y="5192094"/>
             <a:chExt cx="5203670" cy="1303340"/>
@@ -3607,7 +3620,7 @@
         </p:blipFill>
         <p:spPr>
           <a:xfrm>
-            <a:off x="4337854" y="4564069"/>
+            <a:off x="4348245" y="5551205"/>
             <a:ext cx="1280522" cy="310430"/>
           </a:xfrm>
           <a:prstGeom prst="rect">
@@ -3828,7 +3841,7 @@
                 <a:ea typeface="Open Sans" pitchFamily="2" charset="0"/>
                 <a:cs typeface="Open Sans" pitchFamily="2" charset="0"/>
               </a:rPr>
-              <a:t>.NET Aspire (preview)</a:t>
+              <a:t>.NET Aspire</a:t>
             </a:r>
           </a:p>
         </p:txBody>
